--- a/JDBC.pptx
+++ b/JDBC.pptx
@@ -108,6 +108,11 @@
       </a:defRPr>
     </a:lvl9pPr>
   </p:defaultTextStyle>
+  <p:extLst>
+    <p:ext uri="{EFAFB233-063F-42B5-8137-9DF3F51BA10A}">
+      <p15:sldGuideLst xmlns:p15="http://schemas.microsoft.com/office/powerpoint/2012/main"/>
+    </p:ext>
+  </p:extLst>
 </p:presentation>
 </file>
 
@@ -4369,46 +4374,6 @@
           </a:p>
         </p:txBody>
       </p:sp>
-      <p:sp>
-        <p:nvSpPr>
-          <p:cNvPr id="7" name="직사각형 6"/>
-          <p:cNvSpPr/>
-          <p:nvPr/>
-        </p:nvSpPr>
-        <p:spPr>
-          <a:xfrm>
-            <a:off x="810985" y="3613597"/>
-            <a:ext cx="925285" cy="84363"/>
-          </a:xfrm>
-          <a:prstGeom prst="rect">
-            <a:avLst/>
-          </a:prstGeom>
-        </p:spPr>
-        <p:style>
-          <a:lnRef idx="2">
-            <a:schemeClr val="accent1">
-              <a:shade val="50000"/>
-            </a:schemeClr>
-          </a:lnRef>
-          <a:fillRef idx="1">
-            <a:schemeClr val="accent1"/>
-          </a:fillRef>
-          <a:effectRef idx="0">
-            <a:schemeClr val="accent1"/>
-          </a:effectRef>
-          <a:fontRef idx="minor">
-            <a:schemeClr val="lt1"/>
-          </a:fontRef>
-        </p:style>
-        <p:txBody>
-          <a:bodyPr rtlCol="0" anchor="ctr"/>
-          <a:lstStyle/>
-          <a:p>
-            <a:pPr algn="ctr"/>
-            <a:endParaRPr lang="en-US" altLang="ko-KR" dirty="0" smtClean="0"/>
-          </a:p>
-        </p:txBody>
-      </p:sp>
       <p:cxnSp>
         <p:nvCxnSpPr>
           <p:cNvPr id="9" name="직선 화살표 연결선 8"/>
@@ -4450,7 +4415,7 @@
         </p:nvSpPr>
         <p:spPr>
           <a:xfrm>
-            <a:off x="4830510" y="2026105"/>
+            <a:off x="4882241" y="2002742"/>
             <a:ext cx="1698171" cy="857250"/>
           </a:xfrm>
           <a:prstGeom prst="rect">
@@ -4625,7 +4590,7 @@
         </p:nvCxnSpPr>
         <p:spPr>
           <a:xfrm>
-            <a:off x="5614630" y="2910568"/>
+            <a:off x="5665662" y="2880993"/>
             <a:ext cx="31638" cy="358767"/>
           </a:xfrm>
           <a:prstGeom prst="straightConnector1">
@@ -4658,7 +4623,7 @@
         </p:nvSpPr>
         <p:spPr>
           <a:xfrm>
-            <a:off x="7055297" y="2002742"/>
+            <a:off x="7105642" y="2023024"/>
             <a:ext cx="1698171" cy="857250"/>
           </a:xfrm>
           <a:prstGeom prst="rect">
@@ -4788,13 +4753,15 @@
       <p:cxnSp>
         <p:nvCxnSpPr>
           <p:cNvPr id="24" name="직선 화살표 연결선 23"/>
-          <p:cNvCxnSpPr/>
+          <p:cNvCxnSpPr>
+            <a:stCxn id="20" idx="2"/>
+          </p:cNvCxnSpPr>
           <p:nvPr/>
         </p:nvCxnSpPr>
         <p:spPr>
           <a:xfrm>
-            <a:off x="7979913" y="2910568"/>
-            <a:ext cx="0" cy="334966"/>
+            <a:off x="7954728" y="2880274"/>
+            <a:ext cx="25185" cy="365260"/>
           </a:xfrm>
           <a:prstGeom prst="straightConnector1">
             <a:avLst/>
@@ -4999,6 +4966,226 @@
           </a:p>
         </p:txBody>
       </p:sp>
+      <p:sp>
+        <p:nvSpPr>
+          <p:cNvPr id="7" name="직사각형 6"/>
+          <p:cNvSpPr/>
+          <p:nvPr/>
+        </p:nvSpPr>
+        <p:spPr>
+          <a:xfrm>
+            <a:off x="810985" y="3613597"/>
+            <a:ext cx="925285" cy="84363"/>
+          </a:xfrm>
+          <a:prstGeom prst="rect">
+            <a:avLst/>
+          </a:prstGeom>
+        </p:spPr>
+        <p:style>
+          <a:lnRef idx="2">
+            <a:schemeClr val="accent1">
+              <a:shade val="50000"/>
+            </a:schemeClr>
+          </a:lnRef>
+          <a:fillRef idx="1">
+            <a:schemeClr val="accent1"/>
+          </a:fillRef>
+          <a:effectRef idx="0">
+            <a:schemeClr val="accent1"/>
+          </a:effectRef>
+          <a:fontRef idx="minor">
+            <a:schemeClr val="lt1"/>
+          </a:fontRef>
+        </p:style>
+        <p:txBody>
+          <a:bodyPr rtlCol="0" anchor="ctr"/>
+          <a:lstStyle/>
+          <a:p>
+            <a:pPr algn="ctr"/>
+            <a:endParaRPr lang="en-US" altLang="ko-KR" dirty="0" smtClean="0"/>
+          </a:p>
+        </p:txBody>
+      </p:sp>
+      <p:cxnSp>
+        <p:nvCxnSpPr>
+          <p:cNvPr id="29" name="직선 화살표 연결선 28"/>
+          <p:cNvCxnSpPr/>
+          <p:nvPr/>
+        </p:nvCxnSpPr>
+        <p:spPr>
+          <a:xfrm flipH="1">
+            <a:off x="6710361" y="2911038"/>
+            <a:ext cx="304160" cy="783510"/>
+          </a:xfrm>
+          <a:prstGeom prst="straightConnector1">
+            <a:avLst/>
+          </a:prstGeom>
+          <a:ln>
+            <a:solidFill>
+              <a:schemeClr val="tx1"/>
+            </a:solidFill>
+            <a:tailEnd type="triangle"/>
+          </a:ln>
+        </p:spPr>
+        <p:style>
+          <a:lnRef idx="1">
+            <a:schemeClr val="accent1"/>
+          </a:lnRef>
+          <a:fillRef idx="0">
+            <a:schemeClr val="accent1"/>
+          </a:fillRef>
+          <a:effectRef idx="0">
+            <a:schemeClr val="accent1"/>
+          </a:effectRef>
+          <a:fontRef idx="minor">
+            <a:schemeClr val="tx1"/>
+          </a:fontRef>
+        </p:style>
+      </p:cxnSp>
+      <p:cxnSp>
+        <p:nvCxnSpPr>
+          <p:cNvPr id="36" name="직선 화살표 연결선 35"/>
+          <p:cNvCxnSpPr/>
+          <p:nvPr/>
+        </p:nvCxnSpPr>
+        <p:spPr>
+          <a:xfrm flipH="1">
+            <a:off x="9011330" y="3412671"/>
+            <a:ext cx="818470" cy="385322"/>
+          </a:xfrm>
+          <a:prstGeom prst="straightConnector1">
+            <a:avLst/>
+          </a:prstGeom>
+          <a:ln>
+            <a:solidFill>
+              <a:schemeClr val="tx1"/>
+            </a:solidFill>
+            <a:tailEnd type="triangle"/>
+          </a:ln>
+        </p:spPr>
+        <p:style>
+          <a:lnRef idx="1">
+            <a:schemeClr val="accent1"/>
+          </a:lnRef>
+          <a:fillRef idx="0">
+            <a:schemeClr val="accent1"/>
+          </a:fillRef>
+          <a:effectRef idx="0">
+            <a:schemeClr val="accent1"/>
+          </a:effectRef>
+          <a:fontRef idx="minor">
+            <a:schemeClr val="tx1"/>
+          </a:fontRef>
+        </p:style>
+      </p:cxnSp>
+      <p:cxnSp>
+        <p:nvCxnSpPr>
+          <p:cNvPr id="37" name="직선 화살표 연결선 36"/>
+          <p:cNvCxnSpPr/>
+          <p:nvPr/>
+        </p:nvCxnSpPr>
+        <p:spPr>
+          <a:xfrm flipH="1">
+            <a:off x="4310055" y="2732535"/>
+            <a:ext cx="464685" cy="346221"/>
+          </a:xfrm>
+          <a:prstGeom prst="straightConnector1">
+            <a:avLst/>
+          </a:prstGeom>
+          <a:ln>
+            <a:solidFill>
+              <a:schemeClr val="tx1"/>
+            </a:solidFill>
+            <a:tailEnd type="triangle"/>
+          </a:ln>
+        </p:spPr>
+        <p:style>
+          <a:lnRef idx="1">
+            <a:schemeClr val="accent1"/>
+          </a:lnRef>
+          <a:fillRef idx="0">
+            <a:schemeClr val="accent1"/>
+          </a:fillRef>
+          <a:effectRef idx="0">
+            <a:schemeClr val="accent1"/>
+          </a:effectRef>
+          <a:fontRef idx="minor">
+            <a:schemeClr val="tx1"/>
+          </a:fontRef>
+        </p:style>
+      </p:cxnSp>
+      <p:cxnSp>
+        <p:nvCxnSpPr>
+          <p:cNvPr id="41" name="직선 화살표 연결선 40"/>
+          <p:cNvCxnSpPr/>
+          <p:nvPr/>
+        </p:nvCxnSpPr>
+        <p:spPr>
+          <a:xfrm flipH="1" flipV="1">
+            <a:off x="8137756" y="2919902"/>
+            <a:ext cx="65653" cy="285718"/>
+          </a:xfrm>
+          <a:prstGeom prst="straightConnector1">
+            <a:avLst/>
+          </a:prstGeom>
+          <a:ln>
+            <a:solidFill>
+              <a:schemeClr val="tx1"/>
+            </a:solidFill>
+            <a:tailEnd type="triangle"/>
+          </a:ln>
+        </p:spPr>
+        <p:style>
+          <a:lnRef idx="1">
+            <a:schemeClr val="accent1"/>
+          </a:lnRef>
+          <a:fillRef idx="0">
+            <a:schemeClr val="accent1"/>
+          </a:fillRef>
+          <a:effectRef idx="0">
+            <a:schemeClr val="accent1"/>
+          </a:effectRef>
+          <a:fontRef idx="minor">
+            <a:schemeClr val="tx1"/>
+          </a:fontRef>
+        </p:style>
+      </p:cxnSp>
+      <p:cxnSp>
+        <p:nvCxnSpPr>
+          <p:cNvPr id="43" name="직선 화살표 연결선 42"/>
+          <p:cNvCxnSpPr/>
+          <p:nvPr/>
+        </p:nvCxnSpPr>
+        <p:spPr>
+          <a:xfrm flipH="1" flipV="1">
+            <a:off x="5798686" y="2896100"/>
+            <a:ext cx="65653" cy="285718"/>
+          </a:xfrm>
+          <a:prstGeom prst="straightConnector1">
+            <a:avLst/>
+          </a:prstGeom>
+          <a:ln>
+            <a:solidFill>
+              <a:schemeClr val="tx1"/>
+            </a:solidFill>
+            <a:tailEnd type="triangle"/>
+          </a:ln>
+        </p:spPr>
+        <p:style>
+          <a:lnRef idx="1">
+            <a:schemeClr val="accent1"/>
+          </a:lnRef>
+          <a:fillRef idx="0">
+            <a:schemeClr val="accent1"/>
+          </a:fillRef>
+          <a:effectRef idx="0">
+            <a:schemeClr val="accent1"/>
+          </a:effectRef>
+          <a:fontRef idx="minor">
+            <a:schemeClr val="tx1"/>
+          </a:fontRef>
+        </p:style>
+      </p:cxnSp>
     </p:spTree>
     <p:extLst>
       <p:ext uri="{BB962C8B-B14F-4D97-AF65-F5344CB8AC3E}">

--- a/JDBC.pptx
+++ b/JDBC.pptx
@@ -108,11 +108,6 @@
       </a:defRPr>
     </a:lvl9pPr>
   </p:defaultTextStyle>
-  <p:extLst>
-    <p:ext uri="{EFAFB233-063F-42B5-8137-9DF3F51BA10A}">
-      <p15:sldGuideLst xmlns:p15="http://schemas.microsoft.com/office/powerpoint/2012/main"/>
-    </p:ext>
-  </p:extLst>
 </p:presentation>
 </file>
 
@@ -4374,6 +4369,46 @@
           </a:p>
         </p:txBody>
       </p:sp>
+      <p:sp>
+        <p:nvSpPr>
+          <p:cNvPr id="7" name="직사각형 6"/>
+          <p:cNvSpPr/>
+          <p:nvPr/>
+        </p:nvSpPr>
+        <p:spPr>
+          <a:xfrm>
+            <a:off x="810985" y="3613597"/>
+            <a:ext cx="925285" cy="84363"/>
+          </a:xfrm>
+          <a:prstGeom prst="rect">
+            <a:avLst/>
+          </a:prstGeom>
+        </p:spPr>
+        <p:style>
+          <a:lnRef idx="2">
+            <a:schemeClr val="accent1">
+              <a:shade val="50000"/>
+            </a:schemeClr>
+          </a:lnRef>
+          <a:fillRef idx="1">
+            <a:schemeClr val="accent1"/>
+          </a:fillRef>
+          <a:effectRef idx="0">
+            <a:schemeClr val="accent1"/>
+          </a:effectRef>
+          <a:fontRef idx="minor">
+            <a:schemeClr val="lt1"/>
+          </a:fontRef>
+        </p:style>
+        <p:txBody>
+          <a:bodyPr rtlCol="0" anchor="ctr"/>
+          <a:lstStyle/>
+          <a:p>
+            <a:pPr algn="ctr"/>
+            <a:endParaRPr lang="en-US" altLang="ko-KR" dirty="0" smtClean="0"/>
+          </a:p>
+        </p:txBody>
+      </p:sp>
       <p:cxnSp>
         <p:nvCxnSpPr>
           <p:cNvPr id="9" name="직선 화살표 연결선 8"/>
@@ -4415,7 +4450,7 @@
         </p:nvSpPr>
         <p:spPr>
           <a:xfrm>
-            <a:off x="4882241" y="2002742"/>
+            <a:off x="4830510" y="2026105"/>
             <a:ext cx="1698171" cy="857250"/>
           </a:xfrm>
           <a:prstGeom prst="rect">
@@ -4590,7 +4625,7 @@
         </p:nvCxnSpPr>
         <p:spPr>
           <a:xfrm>
-            <a:off x="5665662" y="2880993"/>
+            <a:off x="5614630" y="2910568"/>
             <a:ext cx="31638" cy="358767"/>
           </a:xfrm>
           <a:prstGeom prst="straightConnector1">
@@ -4623,7 +4658,7 @@
         </p:nvSpPr>
         <p:spPr>
           <a:xfrm>
-            <a:off x="7105642" y="2023024"/>
+            <a:off x="7055297" y="2002742"/>
             <a:ext cx="1698171" cy="857250"/>
           </a:xfrm>
           <a:prstGeom prst="rect">
@@ -4753,15 +4788,13 @@
       <p:cxnSp>
         <p:nvCxnSpPr>
           <p:cNvPr id="24" name="직선 화살표 연결선 23"/>
-          <p:cNvCxnSpPr>
-            <a:stCxn id="20" idx="2"/>
-          </p:cNvCxnSpPr>
+          <p:cNvCxnSpPr/>
           <p:nvPr/>
         </p:nvCxnSpPr>
         <p:spPr>
           <a:xfrm>
-            <a:off x="7954728" y="2880274"/>
-            <a:ext cx="25185" cy="365260"/>
+            <a:off x="7979913" y="2910568"/>
+            <a:ext cx="0" cy="334966"/>
           </a:xfrm>
           <a:prstGeom prst="straightConnector1">
             <a:avLst/>
@@ -4966,226 +4999,6 @@
           </a:p>
         </p:txBody>
       </p:sp>
-      <p:sp>
-        <p:nvSpPr>
-          <p:cNvPr id="7" name="직사각형 6"/>
-          <p:cNvSpPr/>
-          <p:nvPr/>
-        </p:nvSpPr>
-        <p:spPr>
-          <a:xfrm>
-            <a:off x="810985" y="3613597"/>
-            <a:ext cx="925285" cy="84363"/>
-          </a:xfrm>
-          <a:prstGeom prst="rect">
-            <a:avLst/>
-          </a:prstGeom>
-        </p:spPr>
-        <p:style>
-          <a:lnRef idx="2">
-            <a:schemeClr val="accent1">
-              <a:shade val="50000"/>
-            </a:schemeClr>
-          </a:lnRef>
-          <a:fillRef idx="1">
-            <a:schemeClr val="accent1"/>
-          </a:fillRef>
-          <a:effectRef idx="0">
-            <a:schemeClr val="accent1"/>
-          </a:effectRef>
-          <a:fontRef idx="minor">
-            <a:schemeClr val="lt1"/>
-          </a:fontRef>
-        </p:style>
-        <p:txBody>
-          <a:bodyPr rtlCol="0" anchor="ctr"/>
-          <a:lstStyle/>
-          <a:p>
-            <a:pPr algn="ctr"/>
-            <a:endParaRPr lang="en-US" altLang="ko-KR" dirty="0" smtClean="0"/>
-          </a:p>
-        </p:txBody>
-      </p:sp>
-      <p:cxnSp>
-        <p:nvCxnSpPr>
-          <p:cNvPr id="29" name="직선 화살표 연결선 28"/>
-          <p:cNvCxnSpPr/>
-          <p:nvPr/>
-        </p:nvCxnSpPr>
-        <p:spPr>
-          <a:xfrm flipH="1">
-            <a:off x="6710361" y="2911038"/>
-            <a:ext cx="304160" cy="783510"/>
-          </a:xfrm>
-          <a:prstGeom prst="straightConnector1">
-            <a:avLst/>
-          </a:prstGeom>
-          <a:ln>
-            <a:solidFill>
-              <a:schemeClr val="tx1"/>
-            </a:solidFill>
-            <a:tailEnd type="triangle"/>
-          </a:ln>
-        </p:spPr>
-        <p:style>
-          <a:lnRef idx="1">
-            <a:schemeClr val="accent1"/>
-          </a:lnRef>
-          <a:fillRef idx="0">
-            <a:schemeClr val="accent1"/>
-          </a:fillRef>
-          <a:effectRef idx="0">
-            <a:schemeClr val="accent1"/>
-          </a:effectRef>
-          <a:fontRef idx="minor">
-            <a:schemeClr val="tx1"/>
-          </a:fontRef>
-        </p:style>
-      </p:cxnSp>
-      <p:cxnSp>
-        <p:nvCxnSpPr>
-          <p:cNvPr id="36" name="직선 화살표 연결선 35"/>
-          <p:cNvCxnSpPr/>
-          <p:nvPr/>
-        </p:nvCxnSpPr>
-        <p:spPr>
-          <a:xfrm flipH="1">
-            <a:off x="9011330" y="3412671"/>
-            <a:ext cx="818470" cy="385322"/>
-          </a:xfrm>
-          <a:prstGeom prst="straightConnector1">
-            <a:avLst/>
-          </a:prstGeom>
-          <a:ln>
-            <a:solidFill>
-              <a:schemeClr val="tx1"/>
-            </a:solidFill>
-            <a:tailEnd type="triangle"/>
-          </a:ln>
-        </p:spPr>
-        <p:style>
-          <a:lnRef idx="1">
-            <a:schemeClr val="accent1"/>
-          </a:lnRef>
-          <a:fillRef idx="0">
-            <a:schemeClr val="accent1"/>
-          </a:fillRef>
-          <a:effectRef idx="0">
-            <a:schemeClr val="accent1"/>
-          </a:effectRef>
-          <a:fontRef idx="minor">
-            <a:schemeClr val="tx1"/>
-          </a:fontRef>
-        </p:style>
-      </p:cxnSp>
-      <p:cxnSp>
-        <p:nvCxnSpPr>
-          <p:cNvPr id="37" name="직선 화살표 연결선 36"/>
-          <p:cNvCxnSpPr/>
-          <p:nvPr/>
-        </p:nvCxnSpPr>
-        <p:spPr>
-          <a:xfrm flipH="1">
-            <a:off x="4310055" y="2732535"/>
-            <a:ext cx="464685" cy="346221"/>
-          </a:xfrm>
-          <a:prstGeom prst="straightConnector1">
-            <a:avLst/>
-          </a:prstGeom>
-          <a:ln>
-            <a:solidFill>
-              <a:schemeClr val="tx1"/>
-            </a:solidFill>
-            <a:tailEnd type="triangle"/>
-          </a:ln>
-        </p:spPr>
-        <p:style>
-          <a:lnRef idx="1">
-            <a:schemeClr val="accent1"/>
-          </a:lnRef>
-          <a:fillRef idx="0">
-            <a:schemeClr val="accent1"/>
-          </a:fillRef>
-          <a:effectRef idx="0">
-            <a:schemeClr val="accent1"/>
-          </a:effectRef>
-          <a:fontRef idx="minor">
-            <a:schemeClr val="tx1"/>
-          </a:fontRef>
-        </p:style>
-      </p:cxnSp>
-      <p:cxnSp>
-        <p:nvCxnSpPr>
-          <p:cNvPr id="41" name="직선 화살표 연결선 40"/>
-          <p:cNvCxnSpPr/>
-          <p:nvPr/>
-        </p:nvCxnSpPr>
-        <p:spPr>
-          <a:xfrm flipH="1" flipV="1">
-            <a:off x="8137756" y="2919902"/>
-            <a:ext cx="65653" cy="285718"/>
-          </a:xfrm>
-          <a:prstGeom prst="straightConnector1">
-            <a:avLst/>
-          </a:prstGeom>
-          <a:ln>
-            <a:solidFill>
-              <a:schemeClr val="tx1"/>
-            </a:solidFill>
-            <a:tailEnd type="triangle"/>
-          </a:ln>
-        </p:spPr>
-        <p:style>
-          <a:lnRef idx="1">
-            <a:schemeClr val="accent1"/>
-          </a:lnRef>
-          <a:fillRef idx="0">
-            <a:schemeClr val="accent1"/>
-          </a:fillRef>
-          <a:effectRef idx="0">
-            <a:schemeClr val="accent1"/>
-          </a:effectRef>
-          <a:fontRef idx="minor">
-            <a:schemeClr val="tx1"/>
-          </a:fontRef>
-        </p:style>
-      </p:cxnSp>
-      <p:cxnSp>
-        <p:nvCxnSpPr>
-          <p:cNvPr id="43" name="직선 화살표 연결선 42"/>
-          <p:cNvCxnSpPr/>
-          <p:nvPr/>
-        </p:nvCxnSpPr>
-        <p:spPr>
-          <a:xfrm flipH="1" flipV="1">
-            <a:off x="5798686" y="2896100"/>
-            <a:ext cx="65653" cy="285718"/>
-          </a:xfrm>
-          <a:prstGeom prst="straightConnector1">
-            <a:avLst/>
-          </a:prstGeom>
-          <a:ln>
-            <a:solidFill>
-              <a:schemeClr val="tx1"/>
-            </a:solidFill>
-            <a:tailEnd type="triangle"/>
-          </a:ln>
-        </p:spPr>
-        <p:style>
-          <a:lnRef idx="1">
-            <a:schemeClr val="accent1"/>
-          </a:lnRef>
-          <a:fillRef idx="0">
-            <a:schemeClr val="accent1"/>
-          </a:fillRef>
-          <a:effectRef idx="0">
-            <a:schemeClr val="accent1"/>
-          </a:effectRef>
-          <a:fontRef idx="minor">
-            <a:schemeClr val="tx1"/>
-          </a:fontRef>
-        </p:style>
-      </p:cxnSp>
     </p:spTree>
     <p:extLst>
       <p:ext uri="{BB962C8B-B14F-4D97-AF65-F5344CB8AC3E}">
